--- a/Ý tưởng thiết kế giao diện web(v1).pptx
+++ b/Ý tưởng thiết kế giao diện web(v1).pptx
@@ -352,7 +352,7 @@
             <a:fld id="{1D8BD707-D9CF-40AE-B4C6-C98DA3205C09}" type="datetimeFigureOut">
               <a:rPr lang="en-US" smtClean="0"/>
               <a:pPr/>
-              <a:t>3/21/22</a:t>
+              <a:t>3/24/22</a:t>
             </a:fld>
             <a:endParaRPr lang="en-US"/>
           </a:p>
@@ -517,7 +517,7 @@
             <a:fld id="{1D8BD707-D9CF-40AE-B4C6-C98DA3205C09}" type="datetimeFigureOut">
               <a:rPr lang="en-US" smtClean="0"/>
               <a:pPr/>
-              <a:t>3/21/22</a:t>
+              <a:t>3/24/22</a:t>
             </a:fld>
             <a:endParaRPr lang="en-US"/>
           </a:p>
@@ -692,7 +692,7 @@
             <a:fld id="{1D8BD707-D9CF-40AE-B4C6-C98DA3205C09}" type="datetimeFigureOut">
               <a:rPr lang="en-US" smtClean="0"/>
               <a:pPr/>
-              <a:t>3/21/22</a:t>
+              <a:t>3/24/22</a:t>
             </a:fld>
             <a:endParaRPr lang="en-US"/>
           </a:p>
@@ -857,7 +857,7 @@
             <a:fld id="{1D8BD707-D9CF-40AE-B4C6-C98DA3205C09}" type="datetimeFigureOut">
               <a:rPr lang="en-US" smtClean="0"/>
               <a:pPr/>
-              <a:t>3/21/22</a:t>
+              <a:t>3/24/22</a:t>
             </a:fld>
             <a:endParaRPr lang="en-US"/>
           </a:p>
@@ -1099,7 +1099,7 @@
             <a:fld id="{1D8BD707-D9CF-40AE-B4C6-C98DA3205C09}" type="datetimeFigureOut">
               <a:rPr lang="en-US" smtClean="0"/>
               <a:pPr/>
-              <a:t>3/21/22</a:t>
+              <a:t>3/24/22</a:t>
             </a:fld>
             <a:endParaRPr lang="en-US"/>
           </a:p>
@@ -1381,7 +1381,7 @@
             <a:fld id="{1D8BD707-D9CF-40AE-B4C6-C98DA3205C09}" type="datetimeFigureOut">
               <a:rPr lang="en-US" smtClean="0"/>
               <a:pPr/>
-              <a:t>3/21/22</a:t>
+              <a:t>3/24/22</a:t>
             </a:fld>
             <a:endParaRPr lang="en-US"/>
           </a:p>
@@ -1797,7 +1797,7 @@
             <a:fld id="{1D8BD707-D9CF-40AE-B4C6-C98DA3205C09}" type="datetimeFigureOut">
               <a:rPr lang="en-US" smtClean="0"/>
               <a:pPr/>
-              <a:t>3/21/22</a:t>
+              <a:t>3/24/22</a:t>
             </a:fld>
             <a:endParaRPr lang="en-US"/>
           </a:p>
@@ -1911,7 +1911,7 @@
             <a:fld id="{1D8BD707-D9CF-40AE-B4C6-C98DA3205C09}" type="datetimeFigureOut">
               <a:rPr lang="en-US" smtClean="0"/>
               <a:pPr/>
-              <a:t>3/21/22</a:t>
+              <a:t>3/24/22</a:t>
             </a:fld>
             <a:endParaRPr lang="en-US"/>
           </a:p>
@@ -2003,7 +2003,7 @@
             <a:fld id="{1D8BD707-D9CF-40AE-B4C6-C98DA3205C09}" type="datetimeFigureOut">
               <a:rPr lang="en-US" smtClean="0"/>
               <a:pPr/>
-              <a:t>3/21/22</a:t>
+              <a:t>3/24/22</a:t>
             </a:fld>
             <a:endParaRPr lang="en-US"/>
           </a:p>
@@ -2275,7 +2275,7 @@
             <a:fld id="{1D8BD707-D9CF-40AE-B4C6-C98DA3205C09}" type="datetimeFigureOut">
               <a:rPr lang="en-US" smtClean="0"/>
               <a:pPr/>
-              <a:t>3/21/22</a:t>
+              <a:t>3/24/22</a:t>
             </a:fld>
             <a:endParaRPr lang="en-US"/>
           </a:p>
@@ -2524,7 +2524,7 @@
             <a:fld id="{1D8BD707-D9CF-40AE-B4C6-C98DA3205C09}" type="datetimeFigureOut">
               <a:rPr lang="en-US" smtClean="0"/>
               <a:pPr/>
-              <a:t>3/21/22</a:t>
+              <a:t>3/24/22</a:t>
             </a:fld>
             <a:endParaRPr lang="en-US"/>
           </a:p>
@@ -2732,7 +2732,7 @@
             <a:fld id="{1D8BD707-D9CF-40AE-B4C6-C98DA3205C09}" type="datetimeFigureOut">
               <a:rPr lang="en-US" smtClean="0"/>
               <a:pPr/>
-              <a:t>3/21/22</a:t>
+              <a:t>3/24/22</a:t>
             </a:fld>
             <a:endParaRPr lang="en-US"/>
           </a:p>
@@ -4188,6 +4188,41 @@
           </a:p>
         </p:txBody>
       </p:sp>
+      <p:sp>
+        <p:nvSpPr>
+          <p:cNvPr id="37" name="TextBox 36">
+            <a:extLst>
+              <a:ext uri="{FF2B5EF4-FFF2-40B4-BE49-F238E27FC236}">
+                <a16:creationId xmlns:a16="http://schemas.microsoft.com/office/drawing/2014/main" id="{8A22A65E-94B8-CE47-AF19-0DA5E89995CC}"/>
+              </a:ext>
+            </a:extLst>
+          </p:cNvPr>
+          <p:cNvSpPr txBox="1"/>
+          <p:nvPr/>
+        </p:nvSpPr>
+        <p:spPr>
+          <a:xfrm>
+            <a:off x="1920945" y="8572500"/>
+            <a:ext cx="7070655" cy="369332"/>
+          </a:xfrm>
+          <a:prstGeom prst="rect">
+            <a:avLst/>
+          </a:prstGeom>
+          <a:noFill/>
+        </p:spPr>
+        <p:txBody>
+          <a:bodyPr wrap="square" rtlCol="0">
+            <a:spAutoFit/>
+          </a:bodyPr>
+          <a:lstStyle/>
+          <a:p>
+            <a:r>
+              <a:rPr lang="vi-VN" dirty="0"/>
+              <a:t>Mã màu : #8FA2F6</a:t>
+            </a:r>
+          </a:p>
+        </p:txBody>
+      </p:sp>
     </p:spTree>
   </p:cSld>
   <p:clrMapOvr>
@@ -8194,6 +8229,13 @@
               <a:srgbClr val="8FA2F6"/>
             </a:solidFill>
           </p:spPr>
+          <p:txBody>
+            <a:bodyPr/>
+            <a:lstStyle/>
+            <a:p>
+              <a:endParaRPr lang="vi-VN" dirty="0"/>
+            </a:p>
+          </p:txBody>
         </p:sp>
       </p:grpSp>
       <p:grpSp>

--- a/Ý tưởng thiết kế giao diện web(v1).pptx
+++ b/Ý tưởng thiết kế giao diện web(v1).pptx
@@ -9238,13 +9238,157 @@
               </a:lnSpc>
             </a:pPr>
             <a:r>
-              <a:rPr lang="en-US" sz="3099">
+              <a:rPr lang="en-US" sz="3099" dirty="0">
                 <a:solidFill>
                   <a:srgbClr val="000000"/>
                 </a:solidFill>
                 <a:latin typeface="DejaVu Serif"/>
               </a:rPr>
-              <a:t>CCCD: (nếu được sẽ thêm 2 ô xác nhận 2 mặt) </a:t>
+              <a:t>CCCD/CCND: (</a:t>
+            </a:r>
+            <a:r>
+              <a:rPr lang="en-US" sz="3099" dirty="0" err="1">
+                <a:solidFill>
+                  <a:srgbClr val="000000"/>
+                </a:solidFill>
+                <a:latin typeface="DejaVu Serif"/>
+              </a:rPr>
+              <a:t>nếu</a:t>
+            </a:r>
+            <a:r>
+              <a:rPr lang="en-US" sz="3099" dirty="0">
+                <a:solidFill>
+                  <a:srgbClr val="000000"/>
+                </a:solidFill>
+                <a:latin typeface="DejaVu Serif"/>
+              </a:rPr>
+              <a:t> </a:t>
+            </a:r>
+            <a:r>
+              <a:rPr lang="en-US" sz="3099" dirty="0" err="1">
+                <a:solidFill>
+                  <a:srgbClr val="000000"/>
+                </a:solidFill>
+                <a:latin typeface="DejaVu Serif"/>
+              </a:rPr>
+              <a:t>được</a:t>
+            </a:r>
+            <a:r>
+              <a:rPr lang="en-US" sz="3099" dirty="0">
+                <a:solidFill>
+                  <a:srgbClr val="000000"/>
+                </a:solidFill>
+                <a:latin typeface="DejaVu Serif"/>
+              </a:rPr>
+              <a:t> </a:t>
+            </a:r>
+            <a:r>
+              <a:rPr lang="en-US" sz="3099" dirty="0" err="1">
+                <a:solidFill>
+                  <a:srgbClr val="000000"/>
+                </a:solidFill>
+                <a:latin typeface="DejaVu Serif"/>
+              </a:rPr>
+              <a:t>sẽ</a:t>
+            </a:r>
+            <a:r>
+              <a:rPr lang="en-US" sz="3099" dirty="0">
+                <a:solidFill>
+                  <a:srgbClr val="000000"/>
+                </a:solidFill>
+                <a:latin typeface="DejaVu Serif"/>
+              </a:rPr>
+              <a:t> </a:t>
+            </a:r>
+            <a:r>
+              <a:rPr lang="en-US" sz="3099" dirty="0" err="1">
+                <a:solidFill>
+                  <a:srgbClr val="000000"/>
+                </a:solidFill>
+                <a:latin typeface="DejaVu Serif"/>
+              </a:rPr>
+              <a:t>thêm</a:t>
+            </a:r>
+            <a:r>
+              <a:rPr lang="en-US" sz="3099" dirty="0">
+                <a:solidFill>
+                  <a:srgbClr val="000000"/>
+                </a:solidFill>
+                <a:latin typeface="DejaVu Serif"/>
+              </a:rPr>
+              <a:t> 2 </a:t>
+            </a:r>
+            <a:r>
+              <a:rPr lang="en-US" sz="3099" dirty="0" err="1">
+                <a:solidFill>
+                  <a:srgbClr val="000000"/>
+                </a:solidFill>
+                <a:latin typeface="DejaVu Serif"/>
+              </a:rPr>
+              <a:t>ô</a:t>
+            </a:r>
+            <a:r>
+              <a:rPr lang="en-US" sz="3099" dirty="0">
+                <a:solidFill>
+                  <a:srgbClr val="000000"/>
+                </a:solidFill>
+                <a:latin typeface="DejaVu Serif"/>
+              </a:rPr>
+              <a:t> </a:t>
+            </a:r>
+            <a:r>
+              <a:rPr lang="en-US" sz="3099" dirty="0" err="1">
+                <a:solidFill>
+                  <a:srgbClr val="000000"/>
+                </a:solidFill>
+                <a:latin typeface="DejaVu Serif"/>
+              </a:rPr>
+              <a:t>xác</a:t>
+            </a:r>
+            <a:r>
+              <a:rPr lang="en-US" sz="3099" dirty="0">
+                <a:solidFill>
+                  <a:srgbClr val="000000"/>
+                </a:solidFill>
+                <a:latin typeface="DejaVu Serif"/>
+              </a:rPr>
+              <a:t> </a:t>
+            </a:r>
+            <a:r>
+              <a:rPr lang="en-US" sz="3099" dirty="0" err="1">
+                <a:solidFill>
+                  <a:srgbClr val="000000"/>
+                </a:solidFill>
+                <a:latin typeface="DejaVu Serif"/>
+              </a:rPr>
+              <a:t>nhận</a:t>
+            </a:r>
+            <a:r>
+              <a:rPr lang="en-US" sz="3099" dirty="0">
+                <a:solidFill>
+                  <a:srgbClr val="000000"/>
+                </a:solidFill>
+                <a:latin typeface="DejaVu Serif"/>
+              </a:rPr>
+              <a:t> 2 </a:t>
+            </a:r>
+            <a:r>
+              <a:rPr lang="en-US" sz="3099" dirty="0" err="1">
+                <a:solidFill>
+                  <a:srgbClr val="000000"/>
+                </a:solidFill>
+                <a:latin typeface="DejaVu Serif"/>
+              </a:rPr>
+              <a:t>mặt</a:t>
+            </a:r>
+            <a:r>
+              <a:rPr lang="en-US" sz="3099" dirty="0">
+                <a:solidFill>
+                  <a:srgbClr val="000000"/>
+                </a:solidFill>
+                <a:latin typeface="DejaVu Serif"/>
+              </a:rPr>
+              <a:t>) </a:t>
             </a:r>
           </a:p>
         </p:txBody>
@@ -9352,13 +9496,130 @@
               </a:lnSpc>
             </a:pPr>
             <a:r>
+              <a:rPr lang="en-US" sz="3099" dirty="0" err="1">
+                <a:solidFill>
+                  <a:srgbClr val="000000"/>
+                </a:solidFill>
+                <a:latin typeface="DejaVu Serif"/>
+              </a:rPr>
+              <a:t>Chứng</a:t>
+            </a:r>
+            <a:r>
+              <a:rPr lang="en-US" sz="3099" dirty="0">
+                <a:solidFill>
+                  <a:srgbClr val="000000"/>
+                </a:solidFill>
+                <a:latin typeface="DejaVu Serif"/>
+              </a:rPr>
+              <a:t> </a:t>
+            </a:r>
+            <a:r>
+              <a:rPr lang="en-US" sz="3099" dirty="0" err="1">
+                <a:solidFill>
+                  <a:srgbClr val="000000"/>
+                </a:solidFill>
+                <a:latin typeface="DejaVu Serif"/>
+              </a:rPr>
+              <a:t>chỉ</a:t>
+            </a:r>
+            <a:r>
+              <a:rPr lang="en-US" sz="3099" dirty="0">
+                <a:solidFill>
+                  <a:srgbClr val="000000"/>
+                </a:solidFill>
+                <a:latin typeface="DejaVu Serif"/>
+              </a:rPr>
+              <a:t> </a:t>
+            </a:r>
+            <a:r>
+              <a:rPr lang="en-US" sz="3099" dirty="0" err="1">
+                <a:solidFill>
+                  <a:srgbClr val="000000"/>
+                </a:solidFill>
+                <a:latin typeface="DejaVu Serif"/>
+              </a:rPr>
+              <a:t>hành</a:t>
+            </a:r>
+            <a:r>
+              <a:rPr lang="en-US" sz="3099" dirty="0">
+                <a:solidFill>
+                  <a:srgbClr val="000000"/>
+                </a:solidFill>
+                <a:latin typeface="DejaVu Serif"/>
+              </a:rPr>
+              <a:t> </a:t>
+            </a:r>
+            <a:r>
+              <a:rPr lang="en-US" sz="3099" dirty="0" err="1">
+                <a:solidFill>
+                  <a:srgbClr val="000000"/>
+                </a:solidFill>
+                <a:latin typeface="DejaVu Serif"/>
+              </a:rPr>
+              <a:t>nghề</a:t>
+            </a:r>
+            <a:r>
+              <a:rPr lang="en-US" sz="3099" dirty="0">
+                <a:solidFill>
+                  <a:srgbClr val="000000"/>
+                </a:solidFill>
+                <a:latin typeface="DejaVu Serif"/>
+              </a:rPr>
+              <a:t> (</a:t>
+            </a:r>
+            <a:r>
+              <a:rPr lang="en-US" sz="3099" dirty="0" err="1">
+                <a:solidFill>
+                  <a:srgbClr val="000000"/>
+                </a:solidFill>
+                <a:latin typeface="DejaVu Serif"/>
+              </a:rPr>
+              <a:t>Chụp</a:t>
+            </a:r>
+            <a:r>
+              <a:rPr lang="en-US" sz="3099" dirty="0">
+                <a:solidFill>
+                  <a:srgbClr val="000000"/>
+                </a:solidFill>
+                <a:latin typeface="DejaVu Serif"/>
+              </a:rPr>
+              <a:t> </a:t>
+            </a:r>
+            <a:r>
+              <a:rPr lang="en-US" sz="3099" dirty="0" err="1">
+                <a:solidFill>
+                  <a:srgbClr val="000000"/>
+                </a:solidFill>
+                <a:latin typeface="DejaVu Serif"/>
+              </a:rPr>
+              <a:t>hai</a:t>
+            </a:r>
+            <a:r>
+              <a:rPr lang="en-US" sz="3099" dirty="0">
+                <a:solidFill>
+                  <a:srgbClr val="000000"/>
+                </a:solidFill>
+                <a:latin typeface="DejaVu Serif"/>
+              </a:rPr>
+              <a:t> </a:t>
+            </a:r>
+            <a:r>
+              <a:rPr lang="en-US" sz="3099" dirty="0" err="1">
+                <a:solidFill>
+                  <a:srgbClr val="000000"/>
+                </a:solidFill>
+                <a:latin typeface="DejaVu Serif"/>
+              </a:rPr>
+              <a:t>mặt</a:t>
+            </a:r>
+            <a:r>
               <a:rPr lang="en-US" sz="3099">
                 <a:solidFill>
                   <a:srgbClr val="000000"/>
                 </a:solidFill>
                 <a:latin typeface="DejaVu Serif"/>
               </a:rPr>
-              <a:t>Chứng chỉ hành nghề (Chụp hai mặt ):</a:t>
+              <a:t> ):</a:t>
             </a:r>
           </a:p>
         </p:txBody>

--- a/Ý tưởng thiết kế giao diện web(v1).pptx
+++ b/Ý tưởng thiết kế giao diện web(v1).pptx
@@ -170,6 +170,32 @@
     </p:ext>
   </p:extLst>
 </p:presentation>
+</file>
+
+<file path=ppt/commentAuthors.xml><?xml version="1.0" encoding="utf-8"?>
+<p:cmAuthorLst xmlns:a="http://schemas.openxmlformats.org/drawingml/2006/main" xmlns:r="http://schemas.openxmlformats.org/officeDocument/2006/relationships" xmlns:p="http://schemas.openxmlformats.org/presentationml/2006/main">
+  <p:cmAuthor id="1" name="Thu Thanh" initials="TT" lastIdx="1" clrIdx="0">
+    <p:extLst>
+      <p:ext uri="{19B8F6BF-5375-455C-9EA6-DF929625EA0E}">
+        <p15:presenceInfo xmlns:p15="http://schemas.microsoft.com/office/powerpoint/2012/main" userId="b13078188805ae97" providerId="Windows Live"/>
+      </p:ext>
+    </p:extLst>
+  </p:cmAuthor>
+</p:cmAuthorLst>
+</file>
+
+<file path=ppt/comments/comment1.xml><?xml version="1.0" encoding="utf-8"?>
+<p:cmLst xmlns:a="http://schemas.openxmlformats.org/drawingml/2006/main" xmlns:r="http://schemas.openxmlformats.org/officeDocument/2006/relationships" xmlns:p="http://schemas.openxmlformats.org/presentationml/2006/main">
+  <p:cm authorId="1" dt="2022-03-24T21:50:37.022" idx="1">
+    <p:pos x="10" y="10"/>
+    <p:text>Đây là phần homepage</p:text>
+    <p:extLst>
+      <p:ext uri="{C676402C-5697-4E1C-873F-D02D1690AC5C}">
+        <p15:threadingInfo xmlns:p15="http://schemas.microsoft.com/office/powerpoint/2012/main" timeZoneBias="-420"/>
+      </p:ext>
+    </p:extLst>
+  </p:cm>
+</p:cmLst>
 </file>
 
 <file path=ppt/slideLayouts/slideLayout1.xml><?xml version="1.0" encoding="utf-8"?>
@@ -4007,14 +4033,14 @@
         <p:spPr>
           <a:xfrm>
             <a:off x="5285929" y="2561873"/>
-            <a:ext cx="7703515" cy="646778"/>
+            <a:ext cx="8582471" cy="646778"/>
           </a:xfrm>
           <a:prstGeom prst="rect">
             <a:avLst/>
           </a:prstGeom>
         </p:spPr>
         <p:txBody>
-          <a:bodyPr lIns="0" tIns="0" rIns="0" bIns="0" rtlCol="0" anchor="t">
+          <a:bodyPr wrap="square" lIns="0" tIns="0" rIns="0" bIns="0" rtlCol="0" anchor="t">
             <a:spAutoFit/>
           </a:bodyPr>
           <a:lstStyle/>
@@ -4025,14 +4051,146 @@
               </a:lnSpc>
             </a:pPr>
             <a:r>
-              <a:rPr lang="en-US" sz="3766">
+              <a:rPr lang="en-US" sz="3766" dirty="0" err="1">
                 <a:solidFill>
                   <a:srgbClr val="000000"/>
                 </a:solidFill>
                 <a:latin typeface="Roboto"/>
               </a:rPr>
-              <a:t>Các dịch vụ được đặt lịch nhiều nhất</a:t>
-            </a:r>
+              <a:t>Các</a:t>
+            </a:r>
+            <a:r>
+              <a:rPr lang="en-US" sz="3766" dirty="0">
+                <a:solidFill>
+                  <a:srgbClr val="000000"/>
+                </a:solidFill>
+                <a:latin typeface="Roboto"/>
+              </a:rPr>
+              <a:t> </a:t>
+            </a:r>
+            <a:r>
+              <a:rPr lang="en-US" sz="3766" dirty="0" err="1">
+                <a:solidFill>
+                  <a:srgbClr val="000000"/>
+                </a:solidFill>
+                <a:latin typeface="Roboto"/>
+              </a:rPr>
+              <a:t>dịch</a:t>
+            </a:r>
+            <a:r>
+              <a:rPr lang="en-US" sz="3766" dirty="0">
+                <a:solidFill>
+                  <a:srgbClr val="000000"/>
+                </a:solidFill>
+                <a:latin typeface="Roboto"/>
+              </a:rPr>
+              <a:t> </a:t>
+            </a:r>
+            <a:r>
+              <a:rPr lang="en-US" sz="3766" dirty="0" err="1">
+                <a:solidFill>
+                  <a:srgbClr val="000000"/>
+                </a:solidFill>
+                <a:latin typeface="Roboto"/>
+              </a:rPr>
+              <a:t>vụ</a:t>
+            </a:r>
+            <a:r>
+              <a:rPr lang="en-US" sz="3766" dirty="0">
+                <a:solidFill>
+                  <a:srgbClr val="000000"/>
+                </a:solidFill>
+                <a:latin typeface="Roboto"/>
+              </a:rPr>
+              <a:t> </a:t>
+            </a:r>
+            <a:r>
+              <a:rPr lang="en-US" sz="3766" dirty="0" err="1">
+                <a:solidFill>
+                  <a:srgbClr val="000000"/>
+                </a:solidFill>
+                <a:latin typeface="Roboto"/>
+              </a:rPr>
+              <a:t>được</a:t>
+            </a:r>
+            <a:r>
+              <a:rPr lang="en-US" sz="3766" dirty="0">
+                <a:solidFill>
+                  <a:srgbClr val="000000"/>
+                </a:solidFill>
+                <a:latin typeface="Roboto"/>
+              </a:rPr>
+              <a:t> </a:t>
+            </a:r>
+            <a:r>
+              <a:rPr lang="en-US" sz="3766" dirty="0" err="1">
+                <a:solidFill>
+                  <a:srgbClr val="000000"/>
+                </a:solidFill>
+                <a:latin typeface="Roboto"/>
+              </a:rPr>
+              <a:t>đặt</a:t>
+            </a:r>
+            <a:r>
+              <a:rPr lang="en-US" sz="3766" dirty="0">
+                <a:solidFill>
+                  <a:srgbClr val="000000"/>
+                </a:solidFill>
+                <a:latin typeface="Roboto"/>
+              </a:rPr>
+              <a:t> </a:t>
+            </a:r>
+            <a:r>
+              <a:rPr lang="en-US" sz="3766" dirty="0" err="1">
+                <a:solidFill>
+                  <a:srgbClr val="000000"/>
+                </a:solidFill>
+                <a:latin typeface="Roboto"/>
+              </a:rPr>
+              <a:t>lịch</a:t>
+            </a:r>
+            <a:r>
+              <a:rPr lang="en-US" sz="3766" dirty="0">
+                <a:solidFill>
+                  <a:srgbClr val="000000"/>
+                </a:solidFill>
+                <a:latin typeface="Roboto"/>
+              </a:rPr>
+              <a:t> </a:t>
+            </a:r>
+            <a:r>
+              <a:rPr lang="en-US" sz="3766" dirty="0" err="1">
+                <a:solidFill>
+                  <a:srgbClr val="000000"/>
+                </a:solidFill>
+                <a:latin typeface="Roboto"/>
+              </a:rPr>
+              <a:t>nhiều</a:t>
+            </a:r>
+            <a:r>
+              <a:rPr lang="en-US" sz="3766" dirty="0">
+                <a:solidFill>
+                  <a:srgbClr val="000000"/>
+                </a:solidFill>
+                <a:latin typeface="Roboto"/>
+              </a:rPr>
+              <a:t> </a:t>
+            </a:r>
+            <a:r>
+              <a:rPr lang="en-US" sz="3766" dirty="0" err="1">
+                <a:solidFill>
+                  <a:srgbClr val="000000"/>
+                </a:solidFill>
+                <a:latin typeface="Roboto"/>
+              </a:rPr>
+              <a:t>nhất</a:t>
+            </a:r>
+            <a:endParaRPr lang="en-US" sz="3766" dirty="0">
+              <a:solidFill>
+                <a:srgbClr val="000000"/>
+              </a:solidFill>
+              <a:latin typeface="Roboto"/>
+            </a:endParaRPr>
           </a:p>
         </p:txBody>
       </p:sp>
@@ -4101,14 +4259,38 @@
               </a:lnSpc>
             </a:pPr>
             <a:r>
-              <a:rPr lang="en-US" sz="3228">
+              <a:rPr lang="en-US" sz="3228" dirty="0" err="1">
                 <a:solidFill>
                   <a:srgbClr val="FFFFFF"/>
                 </a:solidFill>
                 <a:latin typeface="Roboto Mono Light"/>
               </a:rPr>
-              <a:t>Sửa nước</a:t>
-            </a:r>
+              <a:t>Sửa</a:t>
+            </a:r>
+            <a:r>
+              <a:rPr lang="en-US" sz="3228" dirty="0">
+                <a:solidFill>
+                  <a:srgbClr val="FFFFFF"/>
+                </a:solidFill>
+                <a:latin typeface="Roboto Mono Light"/>
+              </a:rPr>
+              <a:t> </a:t>
+            </a:r>
+            <a:r>
+              <a:rPr lang="en-US" sz="3228" dirty="0" err="1">
+                <a:solidFill>
+                  <a:srgbClr val="FFFFFF"/>
+                </a:solidFill>
+                <a:latin typeface="Roboto Mono Light"/>
+              </a:rPr>
+              <a:t>nước</a:t>
+            </a:r>
+            <a:endParaRPr lang="en-US" sz="3228" dirty="0">
+              <a:solidFill>
+                <a:srgbClr val="FFFFFF"/>
+              </a:solidFill>
+              <a:latin typeface="Roboto Mono Light"/>
+            </a:endParaRPr>
           </a:p>
         </p:txBody>
       </p:sp>

--- a/Ý tưởng thiết kế giao diện web(v1).pptx
+++ b/Ý tưởng thiết kế giao diện web(v1).pptx
@@ -3201,7 +3201,7 @@
         </p:blipFill>
         <p:spPr>
           <a:xfrm>
-            <a:off x="-615528" y="-86732"/>
+            <a:off x="545466" y="9649188"/>
             <a:ext cx="3431499" cy="3431499"/>
           </a:xfrm>
           <a:prstGeom prst="rect">
@@ -7040,13 +7040,58 @@
               </a:lnSpc>
             </a:pPr>
             <a:r>
-              <a:rPr lang="en-US" sz="3000">
+              <a:rPr lang="en-US" sz="3000" dirty="0" err="1">
                 <a:solidFill>
                   <a:srgbClr val="FFFFFF"/>
                 </a:solidFill>
                 <a:latin typeface="Noto Sans"/>
               </a:rPr>
-              <a:t>Các dịch vụ </a:t>
+              <a:t>Các</a:t>
+            </a:r>
+            <a:r>
+              <a:rPr lang="en-US" sz="3000" dirty="0">
+                <a:solidFill>
+                  <a:srgbClr val="FFFFFF"/>
+                </a:solidFill>
+                <a:latin typeface="Noto Sans"/>
+              </a:rPr>
+              <a:t> </a:t>
+            </a:r>
+            <a:r>
+              <a:rPr lang="en-US" sz="3000" dirty="0" err="1">
+                <a:solidFill>
+                  <a:srgbClr val="FFFFFF"/>
+                </a:solidFill>
+                <a:latin typeface="Noto Sans"/>
+              </a:rPr>
+              <a:t>dịch</a:t>
+            </a:r>
+            <a:r>
+              <a:rPr lang="en-US" sz="3000" dirty="0">
+                <a:solidFill>
+                  <a:srgbClr val="FFFFFF"/>
+                </a:solidFill>
+                <a:latin typeface="Noto Sans"/>
+              </a:rPr>
+              <a:t> </a:t>
+            </a:r>
+            <a:r>
+              <a:rPr lang="en-US" sz="3000" dirty="0" err="1">
+                <a:solidFill>
+                  <a:srgbClr val="FFFFFF"/>
+                </a:solidFill>
+                <a:latin typeface="Noto Sans"/>
+              </a:rPr>
+              <a:t>vụ</a:t>
+            </a:r>
+            <a:r>
+              <a:rPr lang="en-US" sz="3000" dirty="0">
+                <a:solidFill>
+                  <a:srgbClr val="FFFFFF"/>
+                </a:solidFill>
+                <a:latin typeface="Noto Sans"/>
+              </a:rPr>
+              <a:t> </a:t>
             </a:r>
           </a:p>
         </p:txBody>
